--- a/Age and Stock Prices_HAVE_Nots_28Jul18.pptx
+++ b/Age and Stock Prices_HAVE_Nots_28Jul18.pptx
@@ -120,6 +120,9 @@
     <p:ext uri="{EFAFB233-063F-42B5-8137-9DF3F51BA10A}">
       <p15:sldGuideLst xmlns:p15="http://schemas.microsoft.com/office/powerpoint/2012/main"/>
     </p:ext>
+    <p:ext uri="{2D200454-40CA-4A62-9FC3-DE9A4176ACB9}">
+      <p15:notesGuideLst xmlns:p15="http://schemas.microsoft.com/office/powerpoint/2012/main"/>
+    </p:ext>
   </p:extLst>
 </p:presentation>
 </file>
@@ -206,7 +209,7 @@
           <a:p>
             <a:fld id="{572C12EB-9625-42CB-B3E4-D1CBF2C2B3EF}" type="datetimeFigureOut">
               <a:rPr lang="en-US" smtClean="0"/>
-              <a:t>7/27/2018</a:t>
+              <a:t>7/28/2018</a:t>
             </a:fld>
             <a:endParaRPr lang="en-US"/>
           </a:p>
@@ -1315,7 +1318,7 @@
           <a:p>
             <a:fld id="{3340B826-F627-42B8-AFBA-D40214DFF84E}" type="datetime1">
               <a:rPr lang="en-US" smtClean="0"/>
-              <a:t>7/27/2018</a:t>
+              <a:t>7/28/2018</a:t>
             </a:fld>
             <a:endParaRPr lang="en-US"/>
           </a:p>
@@ -1566,7 +1569,7 @@
           <a:p>
             <a:fld id="{3F473CD8-F2A8-437E-905A-05E417BCF541}" type="datetime1">
               <a:rPr lang="en-US" smtClean="0"/>
-              <a:t>7/27/2018</a:t>
+              <a:t>7/28/2018</a:t>
             </a:fld>
             <a:endParaRPr lang="en-US"/>
           </a:p>
@@ -1880,7 +1883,7 @@
           <a:p>
             <a:fld id="{719C9DB2-8C4C-4D3D-9ECF-7D0310808C02}" type="datetime1">
               <a:rPr lang="en-US" smtClean="0"/>
-              <a:t>7/27/2018</a:t>
+              <a:t>7/28/2018</a:t>
             </a:fld>
             <a:endParaRPr lang="en-US"/>
           </a:p>
@@ -2221,7 +2224,7 @@
           <a:p>
             <a:fld id="{51ED209D-D46B-4DEB-9BF3-A1FC99589C86}" type="datetime1">
               <a:rPr lang="en-US" smtClean="0"/>
-              <a:t>7/27/2018</a:t>
+              <a:t>7/28/2018</a:t>
             </a:fld>
             <a:endParaRPr lang="en-US"/>
           </a:p>
@@ -2535,7 +2538,7 @@
           <a:p>
             <a:fld id="{9FC7762B-4E11-43F3-8222-878BD499A7E8}" type="datetime1">
               <a:rPr lang="en-US" smtClean="0"/>
-              <a:t>7/27/2018</a:t>
+              <a:t>7/28/2018</a:t>
             </a:fld>
             <a:endParaRPr lang="en-US"/>
           </a:p>
@@ -2928,7 +2931,7 @@
           <a:p>
             <a:fld id="{2B37FDAC-6283-4C09-A6F9-57B70DA38F85}" type="datetime1">
               <a:rPr lang="en-US" smtClean="0"/>
-              <a:t>7/27/2018</a:t>
+              <a:t>7/28/2018</a:t>
             </a:fld>
             <a:endParaRPr lang="en-US"/>
           </a:p>
@@ -3098,7 +3101,7 @@
           <a:p>
             <a:fld id="{240762C0-4450-4B20-8E8F-B13F5E1B37F7}" type="datetime1">
               <a:rPr lang="en-US" smtClean="0"/>
-              <a:t>7/27/2018</a:t>
+              <a:t>7/28/2018</a:t>
             </a:fld>
             <a:endParaRPr lang="en-US"/>
           </a:p>
@@ -3278,7 +3281,7 @@
           <a:p>
             <a:fld id="{79C90533-DFCB-4AD8-A76C-DE47E6597977}" type="datetime1">
               <a:rPr lang="en-US" smtClean="0"/>
-              <a:t>7/27/2018</a:t>
+              <a:t>7/28/2018</a:t>
             </a:fld>
             <a:endParaRPr lang="en-US"/>
           </a:p>
@@ -3454,7 +3457,7 @@
           <a:p>
             <a:fld id="{1D79FE72-6B5A-4FAB-B405-239755C335BE}" type="datetime1">
               <a:rPr lang="en-US" smtClean="0"/>
-              <a:t>7/27/2018</a:t>
+              <a:t>7/28/2018</a:t>
             </a:fld>
             <a:endParaRPr lang="en-US"/>
           </a:p>
@@ -3701,7 +3704,7 @@
           <a:p>
             <a:fld id="{21E63451-E53F-4231-8224-05DD8DDECAC3}" type="datetime1">
               <a:rPr lang="en-US" smtClean="0"/>
-              <a:t>7/27/2018</a:t>
+              <a:t>7/28/2018</a:t>
             </a:fld>
             <a:endParaRPr lang="en-US"/>
           </a:p>
@@ -3933,7 +3936,7 @@
           <a:p>
             <a:fld id="{BEED32CD-3551-463E-8672-FBBA852DEA7B}" type="datetime1">
               <a:rPr lang="en-US" smtClean="0"/>
-              <a:t>7/27/2018</a:t>
+              <a:t>7/28/2018</a:t>
             </a:fld>
             <a:endParaRPr lang="en-US"/>
           </a:p>
@@ -4307,7 +4310,7 @@
           <a:p>
             <a:fld id="{7FB6A7A4-48F0-4EC0-9AB0-BE793BAB614E}" type="datetime1">
               <a:rPr lang="en-US" smtClean="0"/>
-              <a:t>7/27/2018</a:t>
+              <a:t>7/28/2018</a:t>
             </a:fld>
             <a:endParaRPr lang="en-US"/>
           </a:p>
@@ -4430,7 +4433,7 @@
           <a:p>
             <a:fld id="{C2AB02A6-52EF-4B51-9578-0EF2F5D5E491}" type="datetime1">
               <a:rPr lang="en-US" smtClean="0"/>
-              <a:t>7/27/2018</a:t>
+              <a:t>7/28/2018</a:t>
             </a:fld>
             <a:endParaRPr lang="en-US"/>
           </a:p>
@@ -4525,7 +4528,7 @@
           <a:p>
             <a:fld id="{6F739769-814B-46A5-9914-1231089660B4}" type="datetime1">
               <a:rPr lang="en-US" smtClean="0"/>
-              <a:t>7/27/2018</a:t>
+              <a:t>7/28/2018</a:t>
             </a:fld>
             <a:endParaRPr lang="en-US"/>
           </a:p>
@@ -4780,7 +4783,7 @@
           <a:p>
             <a:fld id="{C02480D4-E575-4F1F-B8D0-D0FAEA999BB2}" type="datetime1">
               <a:rPr lang="en-US" smtClean="0"/>
-              <a:t>7/27/2018</a:t>
+              <a:t>7/28/2018</a:t>
             </a:fld>
             <a:endParaRPr lang="en-US"/>
           </a:p>
@@ -5043,7 +5046,7 @@
           <a:p>
             <a:fld id="{AE2B4F49-70A7-4E0C-BE72-1C3668AE09BB}" type="datetime1">
               <a:rPr lang="en-US" smtClean="0"/>
-              <a:t>7/27/2018</a:t>
+              <a:t>7/28/2018</a:t>
             </a:fld>
             <a:endParaRPr lang="en-US"/>
           </a:p>
@@ -5786,7 +5789,7 @@
           <a:p>
             <a:fld id="{277F5550-C259-44E3-BC38-6C2CA2283BD1}" type="datetime1">
               <a:rPr lang="en-US" smtClean="0"/>
-              <a:t>7/27/2018</a:t>
+              <a:t>7/28/2018</a:t>
             </a:fld>
             <a:endParaRPr lang="en-US"/>
           </a:p>
@@ -8178,7 +8181,7 @@
                 <a:latin typeface="Times New Roman" panose="02020603050405020304" pitchFamily="18" charset="0"/>
                 <a:cs typeface="Times New Roman" panose="02020603050405020304" pitchFamily="18" charset="0"/>
               </a:rPr>
-              <a:t>P/E Ratio S&amp;P 500</a:t>
+              <a:t>Population</a:t>
             </a:r>
           </a:p>
           <a:p>
@@ -10274,7 +10277,7 @@
         </p:nvSpPr>
         <p:spPr>
           <a:xfrm>
-            <a:off x="377712" y="4305209"/>
+            <a:off x="557262" y="4265628"/>
             <a:ext cx="4080884" cy="1982772"/>
           </a:xfrm>
         </p:spPr>
@@ -10408,7 +10411,17 @@
                 <a:latin typeface="Times New Roman" panose="02020603050405020304" pitchFamily="18" charset="0"/>
                 <a:cs typeface="Times New Roman" panose="02020603050405020304" pitchFamily="18" charset="0"/>
               </a:rPr>
-              <a:t>-4</a:t>
+              <a:t>-4    </a:t>
+            </a:r>
+            <a:r>
+              <a:rPr lang="en-US" sz="1600" dirty="0">
+                <a:solidFill>
+                  <a:srgbClr val="000000"/>
+                </a:solidFill>
+                <a:latin typeface="Times New Roman" panose="02020603050405020304" pitchFamily="18" charset="0"/>
+                <a:cs typeface="Times New Roman" panose="02020603050405020304" pitchFamily="18" charset="0"/>
+              </a:rPr>
+              <a:t>(0.000161)</a:t>
             </a:r>
           </a:p>
           <a:p>
@@ -12295,7 +12308,17 @@
                 <a:latin typeface="Times New Roman" panose="02020603050405020304" pitchFamily="18" charset="0"/>
                 <a:cs typeface="Times New Roman" panose="02020603050405020304" pitchFamily="18" charset="0"/>
               </a:rPr>
-              <a:t>-5</a:t>
+              <a:t>-5   </a:t>
+            </a:r>
+            <a:r>
+              <a:rPr lang="en-US" dirty="0">
+                <a:solidFill>
+                  <a:srgbClr val="000000"/>
+                </a:solidFill>
+                <a:latin typeface="Times New Roman" panose="02020603050405020304" pitchFamily="18" charset="0"/>
+                <a:cs typeface="Times New Roman" panose="02020603050405020304" pitchFamily="18" charset="0"/>
+              </a:rPr>
+              <a:t>(0.000024)</a:t>
             </a:r>
           </a:p>
           <a:p>
